--- a/PPT/PPT2020/DB第08章.pptx
+++ b/PPT/PPT2020/DB第08章.pptx
@@ -3619,7 +3619,7 @@
         </p:nvSpPr>
         <p:spPr bwMode="auto">
           <a:xfrm>
-            <a:off x="1692275" y="5568950"/>
+            <a:off x="1959356" y="5260941"/>
             <a:ext cx="5256213" cy="668338"/>
           </a:xfrm>
           <a:prstGeom prst="rect">
@@ -3774,7 +3774,7 @@
               <a:buNone/>
             </a:pPr>
             <a:r>
-              <a:rPr lang="zh-CN" altLang="en-US" sz="2400" b="1">
+              <a:rPr lang="zh-CN" altLang="en-US" sz="2400" b="1" dirty="0">
                 <a:solidFill>
                   <a:schemeClr val="bg1"/>
                 </a:solidFill>
@@ -3782,9 +3782,9 @@
                 <a:ea typeface="隶书" panose="02010509060101010101" pitchFamily="49" charset="-122"/>
                 <a:sym typeface="Arial" panose="020B0604020202020204" pitchFamily="34" charset="0"/>
               </a:rPr>
-              <a:t>河北大学计算机科学与技术学院</a:t>
-            </a:r>
-            <a:endParaRPr lang="zh-CN" altLang="en-US" sz="2400" b="1">
+              <a:t>河北大学网络空间安全与计算机学院</a:t>
+            </a:r>
+            <a:endParaRPr lang="zh-CN" altLang="en-US" sz="2400" b="1" dirty="0">
               <a:solidFill>
                 <a:schemeClr val="bg1"/>
               </a:solidFill>
@@ -4590,6 +4590,147 @@
           </a:extLst>
         </p:spPr>
       </p:pic>
+      <p:sp>
+        <p:nvSpPr>
+          <p:cNvPr id="2" name="矩形 1">
+            <a:extLst>
+              <a:ext uri="{FF2B5EF4-FFF2-40B4-BE49-F238E27FC236}">
+                <a16:creationId xmlns:a16="http://schemas.microsoft.com/office/drawing/2014/main" id="{61F75C91-7C9D-42C5-AC9A-A0278AA7A6BC}"/>
+              </a:ext>
+            </a:extLst>
+          </p:cNvPr>
+          <p:cNvSpPr/>
+          <p:nvPr/>
+        </p:nvSpPr>
+        <p:spPr>
+          <a:xfrm>
+            <a:off x="5985781" y="2348880"/>
+            <a:ext cx="2376264" cy="1754326"/>
+          </a:xfrm>
+          <a:prstGeom prst="rect">
+            <a:avLst/>
+          </a:prstGeom>
+        </p:spPr>
+        <p:txBody>
+          <a:bodyPr wrap="square">
+            <a:spAutoFit/>
+          </a:bodyPr>
+          <a:lstStyle/>
+          <a:p>
+            <a:r>
+              <a:rPr lang="zh-CN" altLang="en-US" dirty="0">
+                <a:solidFill>
+                  <a:srgbClr val="333333"/>
+                </a:solidFill>
+                <a:latin typeface="PingFang SC"/>
+              </a:rPr>
+              <a:t>开放数据库连接（</a:t>
+            </a:r>
+            <a:r>
+              <a:rPr lang="en-US" altLang="zh-CN" dirty="0">
+                <a:solidFill>
+                  <a:srgbClr val="333333"/>
+                </a:solidFill>
+                <a:latin typeface="PingFang SC"/>
+              </a:rPr>
+              <a:t>Open Database Connectivity</a:t>
+            </a:r>
+            <a:r>
+              <a:rPr lang="zh-CN" altLang="en-US" dirty="0">
+                <a:solidFill>
+                  <a:srgbClr val="333333"/>
+                </a:solidFill>
+                <a:latin typeface="PingFang SC"/>
+              </a:rPr>
+              <a:t>，</a:t>
+            </a:r>
+            <a:r>
+              <a:rPr lang="en-US" altLang="zh-CN" dirty="0">
+                <a:solidFill>
+                  <a:srgbClr val="333333"/>
+                </a:solidFill>
+                <a:latin typeface="PingFang SC"/>
+              </a:rPr>
+              <a:t>ODBC</a:t>
+            </a:r>
+            <a:r>
+              <a:rPr lang="zh-CN" altLang="en-US" dirty="0">
+                <a:solidFill>
+                  <a:srgbClr val="333333"/>
+                </a:solidFill>
+                <a:latin typeface="PingFang SC"/>
+              </a:rPr>
+              <a:t>）是为解决异构数据库间的数据共享而产生的。</a:t>
+            </a:r>
+            <a:endParaRPr lang="zh-CN" altLang="en-US" dirty="0"/>
+          </a:p>
+        </p:txBody>
+      </p:sp>
+      <p:sp>
+        <p:nvSpPr>
+          <p:cNvPr id="3" name="矩形 2">
+            <a:extLst>
+              <a:ext uri="{FF2B5EF4-FFF2-40B4-BE49-F238E27FC236}">
+                <a16:creationId xmlns:a16="http://schemas.microsoft.com/office/drawing/2014/main" id="{C32DA999-E144-4BC4-924C-0D586CA67150}"/>
+              </a:ext>
+            </a:extLst>
+          </p:cNvPr>
+          <p:cNvSpPr/>
+          <p:nvPr/>
+        </p:nvSpPr>
+        <p:spPr>
+          <a:xfrm>
+            <a:off x="4211960" y="6093296"/>
+            <a:ext cx="4932040" cy="369332"/>
+          </a:xfrm>
+          <a:prstGeom prst="rect">
+            <a:avLst/>
+          </a:prstGeom>
+        </p:spPr>
+        <p:txBody>
+          <a:bodyPr wrap="square">
+            <a:spAutoFit/>
+          </a:bodyPr>
+          <a:lstStyle/>
+          <a:p>
+            <a:r>
+              <a:rPr lang="en-US" altLang="zh-CN" dirty="0">
+                <a:solidFill>
+                  <a:srgbClr val="333333"/>
+                </a:solidFill>
+                <a:latin typeface="PingFang SC"/>
+              </a:rPr>
+              <a:t>WOSA(The </a:t>
+            </a:r>
+            <a:r>
+              <a:rPr lang="en-US" altLang="zh-CN" dirty="0">
+                <a:solidFill>
+                  <a:srgbClr val="333333"/>
+                </a:solidFill>
+                <a:latin typeface="PingFang SC"/>
+                <a:hlinkClick r:id="rId3">
+                  <a:extLst>
+                    <a:ext uri="{A12FA001-AC4F-418D-AE19-62706E023703}">
+                      <ahyp:hlinkClr xmlns:ahyp="http://schemas.microsoft.com/office/drawing/2018/hyperlinkcolor" val="tx"/>
+                    </a:ext>
+                  </a:extLst>
+                </a:hlinkClick>
+              </a:rPr>
+              <a:t>Windows</a:t>
+            </a:r>
+            <a:r>
+              <a:rPr lang="en-US" altLang="zh-CN" dirty="0">
+                <a:solidFill>
+                  <a:srgbClr val="333333"/>
+                </a:solidFill>
+                <a:latin typeface="PingFang SC"/>
+              </a:rPr>
+              <a:t> Open System Architecture )</a:t>
+            </a:r>
+            <a:endParaRPr lang="zh-CN" altLang="en-US" dirty="0"/>
+          </a:p>
+        </p:txBody>
+      </p:sp>
     </p:spTree>
   </p:cSld>
   <p:clrMapOvr>
@@ -4631,8 +4772,8 @@
         </p:nvSpPr>
         <p:spPr bwMode="auto">
           <a:xfrm>
-            <a:off x="661988" y="847725"/>
-            <a:ext cx="7607300" cy="1014413"/>
+            <a:off x="806004" y="562074"/>
+            <a:ext cx="7942460" cy="1384995"/>
           </a:xfrm>
           <a:prstGeom prst="rect">
             <a:avLst/>
@@ -4662,7 +4803,7 @@
           </a:extLst>
         </p:spPr>
         <p:txBody>
-          <a:bodyPr>
+          <a:bodyPr wrap="square">
             <a:spAutoFit/>
           </a:bodyPr>
           <a:lstStyle>
@@ -4777,24 +4918,39 @@
             </a:lvl9pPr>
           </a:lstStyle>
           <a:p>
-            <a:endParaRPr lang="zh-CN" altLang="en-US" b="1"/>
-          </a:p>
-          <a:p>
-            <a:r>
-              <a:rPr lang="zh-CN" altLang="en-US" sz="2400" b="1"/>
+            <a:endParaRPr lang="zh-CN" altLang="en-US" b="1" dirty="0"/>
+          </a:p>
+          <a:p>
+            <a:r>
+              <a:rPr lang="zh-CN" altLang="en-US" sz="2400" b="1" dirty="0"/>
               <a:t>第</a:t>
             </a:r>
             <a:r>
-              <a:rPr lang="en-US" altLang="zh-CN" sz="2400" b="1"/>
-              <a:t>10-17</a:t>
-            </a:r>
-            <a:r>
-              <a:rPr lang="zh-CN" altLang="en-US" sz="2400" b="1"/>
-              <a:t>周，开发一个C/S或者B/S的数据库应用系统。</a:t>
-            </a:r>
-          </a:p>
-          <a:p>
-            <a:endParaRPr lang="zh-CN" altLang="en-US" b="1"/>
+              <a:rPr lang="en-US" altLang="zh-CN" sz="2400" b="1" dirty="0"/>
+              <a:t>17</a:t>
+            </a:r>
+            <a:r>
+              <a:rPr lang="zh-CN" altLang="en-US" sz="2400" b="1" dirty="0"/>
+              <a:t>周之前交作业。</a:t>
+            </a:r>
+            <a:endParaRPr lang="en-US" altLang="zh-CN" sz="2400" b="1" dirty="0"/>
+          </a:p>
+          <a:p>
+            <a:r>
+              <a:rPr lang="zh-CN" altLang="en-US" sz="2400" b="1" dirty="0"/>
+              <a:t>在高级语言中嵌入</a:t>
+            </a:r>
+            <a:r>
+              <a:rPr lang="en-US" altLang="zh-CN" sz="2400" b="1" dirty="0"/>
+              <a:t>SQL</a:t>
+            </a:r>
+            <a:r>
+              <a:rPr lang="zh-CN" altLang="en-US" sz="2400" b="1" dirty="0"/>
+              <a:t>，完成增、删、改、查。</a:t>
+            </a:r>
+          </a:p>
+          <a:p>
+            <a:endParaRPr lang="zh-CN" altLang="en-US" b="1" dirty="0"/>
           </a:p>
         </p:txBody>
       </p:sp>
@@ -4814,8 +4970,8 @@
         </p:nvSpPr>
         <p:spPr bwMode="auto">
           <a:xfrm>
-            <a:off x="2628900" y="115888"/>
-            <a:ext cx="3563938" cy="639762"/>
+            <a:off x="395536" y="115888"/>
+            <a:ext cx="5615509" cy="646331"/>
           </a:xfrm>
           <a:prstGeom prst="rect">
             <a:avLst/>
@@ -4845,7 +5001,7 @@
           </a:extLst>
         </p:spPr>
         <p:txBody>
-          <a:bodyPr>
+          <a:bodyPr wrap="square">
             <a:spAutoFit/>
           </a:bodyPr>
           <a:lstStyle>
@@ -4962,14 +5118,29 @@
           <a:p>
             <a:pPr algn="ctr"/>
             <a:r>
-              <a:rPr lang="zh-CN" altLang="en-US" sz="3600" b="1">
+              <a:rPr lang="zh-CN" altLang="en-US" sz="3600" b="1" dirty="0">
                 <a:solidFill>
                   <a:schemeClr val="bg1"/>
                 </a:solidFill>
                 <a:sym typeface="Arial" panose="020B0604020202020204" pitchFamily="34" charset="0"/>
               </a:rPr>
-              <a:t>综合实验要求</a:t>
-            </a:r>
+              <a:t>第八章作业：嵌入式</a:t>
+            </a:r>
+            <a:r>
+              <a:rPr lang="en-US" altLang="zh-CN" sz="3600" b="1" dirty="0">
+                <a:solidFill>
+                  <a:schemeClr val="bg1"/>
+                </a:solidFill>
+                <a:sym typeface="Arial" panose="020B0604020202020204" pitchFamily="34" charset="0"/>
+              </a:rPr>
+              <a:t>SQL</a:t>
+            </a:r>
+            <a:endParaRPr lang="zh-CN" altLang="en-US" sz="3600" b="1" dirty="0">
+              <a:solidFill>
+                <a:schemeClr val="bg1"/>
+              </a:solidFill>
+              <a:sym typeface="Arial" panose="020B0604020202020204" pitchFamily="34" charset="0"/>
+            </a:endParaRPr>
           </a:p>
         </p:txBody>
       </p:sp>
@@ -5340,7 +5511,7 @@
         </p:blipFill>
         <p:spPr bwMode="auto">
           <a:xfrm>
-            <a:off x="1006475" y="2647950"/>
+            <a:off x="2267744" y="2614370"/>
             <a:ext cx="4141788" cy="3511550"/>
           </a:xfrm>
           <a:prstGeom prst="rect">
@@ -5550,7 +5721,7 @@
               <a:buNone/>
             </a:pPr>
             <a:r>
-              <a:rPr lang="en-US" altLang="zh-CN">
+              <a:rPr lang="en-US" altLang="zh-CN" dirty="0">
                 <a:solidFill>
                   <a:srgbClr val="0066FF"/>
                 </a:solidFill>
@@ -5558,7 +5729,7 @@
               <a:t>8.1 </a:t>
             </a:r>
             <a:r>
-              <a:rPr lang="zh-CN" altLang="en-US">
+              <a:rPr lang="zh-CN" altLang="en-US" dirty="0">
                 <a:solidFill>
                   <a:srgbClr val="0066FF"/>
                 </a:solidFill>
@@ -5566,14 +5737,14 @@
               <a:t>嵌入式</a:t>
             </a:r>
             <a:r>
-              <a:rPr lang="en-US" altLang="zh-CN">
+              <a:rPr lang="en-US" altLang="zh-CN" dirty="0">
                 <a:solidFill>
                   <a:srgbClr val="0066FF"/>
                 </a:solidFill>
               </a:rPr>
               <a:t>SQL</a:t>
             </a:r>
-            <a:endParaRPr lang="zh-CN" altLang="en-US">
+            <a:endParaRPr lang="zh-CN" altLang="en-US" dirty="0">
               <a:solidFill>
                 <a:srgbClr val="0066FF"/>
               </a:solidFill>
@@ -5588,24 +5759,24 @@
               <a:buNone/>
             </a:pPr>
             <a:r>
-              <a:rPr lang="en-US" altLang="zh-CN">
+              <a:rPr lang="en-US" altLang="zh-CN" dirty="0">
                 <a:sym typeface="Times New Roman" panose="02020603050405020304" pitchFamily="18" charset="0"/>
               </a:rPr>
               <a:t>8.2 </a:t>
             </a:r>
             <a:r>
-              <a:rPr lang="zh-CN" altLang="en-US">
+              <a:rPr lang="zh-CN" altLang="en-US" dirty="0">
                 <a:sym typeface="Times New Roman" panose="02020603050405020304" pitchFamily="18" charset="0"/>
               </a:rPr>
               <a:t>过程化</a:t>
             </a:r>
             <a:r>
-              <a:rPr lang="en-US" altLang="zh-CN">
+              <a:rPr lang="en-US" altLang="zh-CN" dirty="0">
                 <a:sym typeface="Times New Roman" panose="02020603050405020304" pitchFamily="18" charset="0"/>
               </a:rPr>
               <a:t>SQL</a:t>
             </a:r>
-            <a:endParaRPr lang="zh-CN" altLang="en-US">
+            <a:endParaRPr lang="zh-CN" altLang="en-US" dirty="0">
               <a:sym typeface="Times New Roman" panose="02020603050405020304" pitchFamily="18" charset="0"/>
             </a:endParaRPr>
           </a:p>
@@ -5618,18 +5789,18 @@
               <a:buNone/>
             </a:pPr>
             <a:r>
-              <a:rPr lang="en-US" altLang="zh-CN">
+              <a:rPr lang="en-US" altLang="zh-CN" dirty="0">
                 <a:sym typeface="Times New Roman" panose="02020603050405020304" pitchFamily="18" charset="0"/>
               </a:rPr>
               <a:t>8.3 </a:t>
             </a:r>
             <a:r>
-              <a:rPr lang="zh-CN" altLang="en-US">
+              <a:rPr lang="zh-CN" altLang="en-US" dirty="0">
                 <a:sym typeface="Times New Roman" panose="02020603050405020304" pitchFamily="18" charset="0"/>
               </a:rPr>
               <a:t>存储过程和函数</a:t>
             </a:r>
-            <a:endParaRPr lang="en-US" altLang="zh-CN">
+            <a:endParaRPr lang="en-US" altLang="zh-CN" dirty="0">
               <a:sym typeface="Times New Roman" panose="02020603050405020304" pitchFamily="18" charset="0"/>
             </a:endParaRPr>
           </a:p>
@@ -5642,14 +5813,14 @@
               <a:buNone/>
             </a:pPr>
             <a:r>
-              <a:rPr lang="en-US" altLang="zh-CN"/>
+              <a:rPr lang="en-US" altLang="zh-CN" dirty="0"/>
               <a:t>8.4 ODBC</a:t>
             </a:r>
             <a:r>
-              <a:rPr lang="zh-CN" altLang="en-US"/>
+              <a:rPr lang="zh-CN" altLang="en-US" dirty="0"/>
               <a:t>编程</a:t>
             </a:r>
-            <a:endParaRPr lang="en-US" altLang="zh-CN"/>
+            <a:endParaRPr lang="en-US" altLang="zh-CN" dirty="0"/>
           </a:p>
           <a:p>
             <a:pPr marL="57150" indent="0">
@@ -5660,10 +5831,10 @@
               <a:buNone/>
             </a:pPr>
             <a:r>
-              <a:rPr lang="en-US" altLang="zh-CN"/>
+              <a:rPr lang="en-US" altLang="zh-CN" strike="sngStrike" dirty="0"/>
               <a:t>*8.5 OLE DB</a:t>
             </a:r>
-            <a:endParaRPr lang="zh-CN" altLang="en-US"/>
+            <a:endParaRPr lang="zh-CN" altLang="en-US" strike="sngStrike" dirty="0"/>
           </a:p>
           <a:p>
             <a:pPr marL="57150" indent="0">
@@ -5674,14 +5845,14 @@
               <a:buNone/>
             </a:pPr>
             <a:r>
-              <a:rPr lang="en-US" altLang="zh-CN"/>
+              <a:rPr lang="en-US" altLang="zh-CN" strike="sngStrike" dirty="0"/>
               <a:t>*8.6 JDBC</a:t>
             </a:r>
             <a:r>
-              <a:rPr lang="zh-CN" altLang="en-US"/>
+              <a:rPr lang="zh-CN" altLang="en-US" strike="sngStrike" dirty="0"/>
               <a:t>编程</a:t>
             </a:r>
-            <a:endParaRPr lang="en-US" altLang="zh-CN"/>
+            <a:endParaRPr lang="en-US" altLang="zh-CN" strike="sngStrike" dirty="0"/>
           </a:p>
           <a:p>
             <a:pPr marL="57150" indent="0">
@@ -5692,17 +5863,17 @@
               <a:buNone/>
             </a:pPr>
             <a:r>
-              <a:rPr lang="en-US" altLang="zh-CN"/>
+              <a:rPr lang="en-US" altLang="zh-CN" dirty="0"/>
               <a:t>8.7 </a:t>
             </a:r>
             <a:r>
-              <a:rPr lang="zh-CN" altLang="en-US"/>
+              <a:rPr lang="zh-CN" altLang="en-US" dirty="0"/>
               <a:t>小结</a:t>
             </a:r>
           </a:p>
           <a:p>
             <a:pPr marL="57150" indent="0"/>
-            <a:endParaRPr lang="zh-CN" altLang="en-US"/>
+            <a:endParaRPr lang="zh-CN" altLang="en-US" dirty="0"/>
           </a:p>
         </p:txBody>
       </p:sp>
@@ -5986,7 +6157,7 @@
               </a:lnSpc>
             </a:pPr>
             <a:r>
-              <a:rPr lang="zh-CN" altLang="en-US"/>
+              <a:rPr lang="zh-CN" altLang="en-US" dirty="0"/>
               <a:t>主语言</a:t>
             </a:r>
           </a:p>
@@ -5999,59 +6170,59 @@
               <a:buNone/>
             </a:pPr>
             <a:r>
-              <a:rPr lang="zh-CN" altLang="en-US"/>
+              <a:rPr lang="zh-CN" altLang="en-US" dirty="0"/>
               <a:t>嵌入式</a:t>
             </a:r>
             <a:r>
-              <a:rPr lang="en-US" altLang="zh-CN"/>
+              <a:rPr lang="en-US" altLang="zh-CN" dirty="0"/>
               <a:t>SQL</a:t>
             </a:r>
             <a:r>
-              <a:rPr lang="zh-CN" altLang="en-US"/>
+              <a:rPr lang="zh-CN" altLang="en-US" dirty="0"/>
               <a:t>是将</a:t>
             </a:r>
             <a:r>
-              <a:rPr lang="en-US" altLang="zh-CN"/>
+              <a:rPr lang="en-US" altLang="zh-CN" dirty="0"/>
               <a:t>SQL</a:t>
             </a:r>
             <a:r>
-              <a:rPr lang="zh-CN" altLang="en-US"/>
+              <a:rPr lang="zh-CN" altLang="en-US" dirty="0"/>
               <a:t>语句嵌入程序设计语言中，被嵌入的程序设计语言，如</a:t>
             </a:r>
             <a:r>
-              <a:rPr lang="en-US" altLang="zh-CN"/>
+              <a:rPr lang="en-US" altLang="zh-CN" dirty="0"/>
               <a:t>C</a:t>
             </a:r>
             <a:r>
-              <a:rPr lang="zh-CN" altLang="en-US"/>
+              <a:rPr lang="zh-CN" altLang="en-US" dirty="0"/>
               <a:t>、</a:t>
             </a:r>
             <a:r>
-              <a:rPr lang="en-US" altLang="zh-CN"/>
+              <a:rPr lang="en-US" altLang="zh-CN" dirty="0"/>
               <a:t>C++</a:t>
             </a:r>
             <a:r>
-              <a:rPr lang="zh-CN" altLang="en-US"/>
+              <a:rPr lang="zh-CN" altLang="en-US" dirty="0"/>
               <a:t>、</a:t>
             </a:r>
             <a:r>
-              <a:rPr lang="en-US" altLang="zh-CN"/>
+              <a:rPr lang="en-US" altLang="zh-CN" dirty="0"/>
               <a:t>Java</a:t>
             </a:r>
             <a:r>
-              <a:rPr lang="zh-CN" altLang="en-US"/>
+              <a:rPr lang="zh-CN" altLang="en-US" dirty="0"/>
               <a:t>、</a:t>
             </a:r>
             <a:r>
-              <a:rPr lang="en-US" altLang="zh-CN"/>
+              <a:rPr lang="en-US" altLang="zh-CN" dirty="0"/>
               <a:t>python</a:t>
             </a:r>
             <a:r>
-              <a:rPr lang="zh-CN" altLang="en-US"/>
+              <a:rPr lang="zh-CN" altLang="en-US" dirty="0"/>
               <a:t>，称为</a:t>
             </a:r>
             <a:r>
-              <a:rPr lang="zh-CN" altLang="en-US">
+              <a:rPr lang="zh-CN" altLang="en-US" dirty="0">
                 <a:solidFill>
                   <a:srgbClr val="0066FF"/>
                 </a:solidFill>
@@ -6059,11 +6230,11 @@
               <a:t>宿主语言</a:t>
             </a:r>
             <a:r>
-              <a:rPr lang="zh-CN" altLang="en-US"/>
+              <a:rPr lang="zh-CN" altLang="en-US" dirty="0"/>
               <a:t>，简称</a:t>
             </a:r>
             <a:r>
-              <a:rPr lang="zh-CN" altLang="en-US">
+              <a:rPr lang="zh-CN" altLang="en-US" dirty="0">
                 <a:solidFill>
                   <a:srgbClr val="0066FF"/>
                 </a:solidFill>
@@ -6071,7 +6242,7 @@
               <a:t>主语言</a:t>
             </a:r>
             <a:r>
-              <a:rPr lang="zh-CN" altLang="en-US"/>
+              <a:rPr lang="zh-CN" altLang="en-US" dirty="0"/>
               <a:t>。</a:t>
             </a:r>
           </a:p>
@@ -6083,7 +6254,7 @@
               <a:buFont typeface="Wingdings" panose="05000000000000000000" pitchFamily="2" charset="2"/>
               <a:buNone/>
             </a:pPr>
-            <a:endParaRPr lang="zh-CN" altLang="en-US"/>
+            <a:endParaRPr lang="zh-CN" altLang="en-US" dirty="0"/>
           </a:p>
           <a:p>
             <a:pPr>
@@ -6092,19 +6263,19 @@
               </a:lnSpc>
             </a:pPr>
             <a:r>
-              <a:rPr lang="zh-CN" altLang="en-US">
+              <a:rPr lang="zh-CN" altLang="en-US" dirty="0">
                 <a:sym typeface="Arial" panose="020B0604020202020204" pitchFamily="34" charset="0"/>
               </a:rPr>
               <a:t>区分</a:t>
             </a:r>
             <a:r>
-              <a:rPr lang="en-US" altLang="zh-CN">
+              <a:rPr lang="en-US" altLang="zh-CN" dirty="0">
                 <a:sym typeface="Arial" panose="020B0604020202020204" pitchFamily="34" charset="0"/>
               </a:rPr>
               <a:t>SQL</a:t>
             </a:r>
             <a:r>
-              <a:rPr lang="zh-CN" altLang="en-US">
+              <a:rPr lang="zh-CN" altLang="en-US" dirty="0">
                 <a:sym typeface="Arial" panose="020B0604020202020204" pitchFamily="34" charset="0"/>
               </a:rPr>
               <a:t>语句与主语言语句</a:t>
@@ -6119,37 +6290,37 @@
               <a:buNone/>
             </a:pPr>
             <a:r>
-              <a:rPr lang="zh-CN" altLang="en-US">
+              <a:rPr lang="zh-CN" altLang="en-US" dirty="0">
                 <a:sym typeface="Arial" panose="020B0604020202020204" pitchFamily="34" charset="0"/>
               </a:rPr>
               <a:t>主语言为</a:t>
             </a:r>
             <a:r>
-              <a:rPr lang="en-US" altLang="zh-CN">
+              <a:rPr lang="en-US" altLang="zh-CN" dirty="0">
                 <a:sym typeface="Arial" panose="020B0604020202020204" pitchFamily="34" charset="0"/>
               </a:rPr>
               <a:t>C</a:t>
             </a:r>
             <a:r>
-              <a:rPr lang="zh-CN" altLang="en-US">
+              <a:rPr lang="zh-CN" altLang="en-US" dirty="0">
                 <a:sym typeface="Arial" panose="020B0604020202020204" pitchFamily="34" charset="0"/>
               </a:rPr>
               <a:t>语言时，语句格式：</a:t>
             </a:r>
             <a:r>
-              <a:rPr lang="en-US" altLang="zh-CN">
+              <a:rPr lang="en-US" altLang="zh-CN" dirty="0">
                 <a:sym typeface="Arial" panose="020B0604020202020204" pitchFamily="34" charset="0"/>
               </a:rPr>
               <a:t>EXEC SQL &lt;SQL</a:t>
             </a:r>
             <a:r>
-              <a:rPr lang="zh-CN" altLang="en-US">
+              <a:rPr lang="zh-CN" altLang="en-US" dirty="0">
                 <a:sym typeface="Arial" panose="020B0604020202020204" pitchFamily="34" charset="0"/>
               </a:rPr>
               <a:t>语句</a:t>
             </a:r>
             <a:r>
-              <a:rPr lang="en-US" altLang="zh-CN">
+              <a:rPr lang="en-US" altLang="zh-CN" dirty="0">
                 <a:sym typeface="Arial" panose="020B0604020202020204" pitchFamily="34" charset="0"/>
               </a:rPr>
               <a:t>&gt;;</a:t>
@@ -6164,7 +6335,7 @@
               <a:buNone/>
             </a:pPr>
             <a:r>
-              <a:rPr lang="zh-CN" altLang="en-US">
+              <a:rPr lang="zh-CN" altLang="en-US" dirty="0">
                 <a:sym typeface="Arial" panose="020B0604020202020204" pitchFamily="34" charset="0"/>
               </a:rPr>
               <a:t>（其它主语言各自有不同标准）</a:t>
@@ -6176,7 +6347,7 @@
                 <a:spcPct val="120000"/>
               </a:lnSpc>
             </a:pPr>
-            <a:endParaRPr lang="zh-CN" altLang="en-US"/>
+            <a:endParaRPr lang="zh-CN" altLang="en-US" dirty="0"/>
           </a:p>
         </p:txBody>
       </p:sp>
@@ -6423,6 +6594,16 @@
               <a:buFont typeface="Wingdings" panose="05000000000000000000" pitchFamily="2" charset="2"/>
               <a:buNone/>
             </a:pPr>
+            <a:endParaRPr lang="en-US" altLang="zh-CN" noProof="1"/>
+          </a:p>
+          <a:p>
+            <a:pPr marL="457200" lvl="1" indent="0">
+              <a:lnSpc>
+                <a:spcPct val="120000"/>
+              </a:lnSpc>
+              <a:buFont typeface="Wingdings" panose="05000000000000000000" pitchFamily="2" charset="2"/>
+              <a:buNone/>
+            </a:pPr>
             <a:endParaRPr lang="zh-CN" altLang="en-US" noProof="1"/>
           </a:p>
           <a:p>
@@ -6431,11 +6612,11 @@
               <a:buNone/>
             </a:pPr>
             <a:r>
-              <a:rPr lang="en-US" altLang="zh-CN" sz="2400" noProof="1"/>
+              <a:rPr lang="en-US" altLang="zh-CN" sz="1800" noProof="1"/>
               <a:t>C#</a:t>
             </a:r>
             <a:r>
-              <a:rPr lang="zh-CN" altLang="en-US" sz="2400" noProof="1"/>
+              <a:rPr lang="zh-CN" altLang="en-US" sz="1800" noProof="1"/>
               <a:t>中可以使用Datatable读取记录，进一步逐条读取记录</a:t>
             </a:r>
           </a:p>
@@ -6584,7 +6765,11 @@
               <a:t>语句原则上可以产生或处理</a:t>
             </a:r>
             <a:r>
-              <a:rPr lang="zh-CN" altLang="en-US" u="sng" noProof="1"/>
+              <a:rPr lang="zh-CN" altLang="en-US" u="sng" noProof="1">
+                <a:highlight>
+                  <a:srgbClr val="FFFF00"/>
+                </a:highlight>
+              </a:rPr>
               <a:t>多条记录</a:t>
             </a:r>
           </a:p>
@@ -6623,7 +6808,11 @@
               <a:t>，主变量一次只能存放</a:t>
             </a:r>
             <a:r>
-              <a:rPr lang="zh-CN" altLang="en-US" u="sng" noProof="1"/>
+              <a:rPr lang="zh-CN" altLang="en-US" u="sng" noProof="1">
+                <a:highlight>
+                  <a:srgbClr val="FFFF00"/>
+                </a:highlight>
+              </a:rPr>
               <a:t>一条记录</a:t>
             </a:r>
           </a:p>
@@ -6668,6 +6857,9 @@
                 <a:solidFill>
                   <a:srgbClr val="FF0000"/>
                 </a:solidFill>
+                <a:highlight>
+                  <a:srgbClr val="FFFF00"/>
+                </a:highlight>
               </a:rPr>
               <a:t>游标</a:t>
             </a:r>
